--- a/slides/Claude-Skills-for-Intelligent-Textbooks.pptx
+++ b/slides/Claude-Skills-for-Intelligent-Textbooks.pptx
@@ -6,6 +6,7 @@
   </p:sldMasterIdLst>
   <p:sldIdLst>
     <p:sldId id="256" r:id="rId2"/>
+    <p:sldId id="257" r:id="rId3"/>
   </p:sldIdLst>
   <p:sldSz cx="12192000" cy="6858000"/>
   <p:notesSz cx="6858000" cy="9144000"/>
@@ -3342,7 +3343,10 @@
           <a:bodyPr/>
           <a:lstStyle/>
           <a:p>
-            <a:endParaRPr lang="en-US"/>
+            <a:r>
+              <a:rPr lang="en-US" dirty="0"/>
+              <a:t>Claude Skills for Intelligent Textbooks</a:t>
+            </a:r>
           </a:p>
         </p:txBody>
       </p:sp>
@@ -3367,7 +3371,10 @@
           <a:bodyPr/>
           <a:lstStyle/>
           <a:p>
-            <a:endParaRPr lang="en-US"/>
+            <a:r>
+              <a:rPr lang="en-US" dirty="0"/>
+              <a:t>Dan McCreary</a:t>
+            </a:r>
           </a:p>
         </p:txBody>
       </p:sp>
@@ -3375,6 +3382,139 @@
     <p:extLst>
       <p:ext uri="{BB962C8B-B14F-4D97-AF65-F5344CB8AC3E}">
         <p14:creationId xmlns:p14="http://schemas.microsoft.com/office/powerpoint/2010/main" val="301195755"/>
+      </p:ext>
+    </p:extLst>
+  </p:cSld>
+  <p:clrMapOvr>
+    <a:masterClrMapping/>
+  </p:clrMapOvr>
+</p:sld>
+</file>
+
+<file path=ppt/slides/slide2.xml><?xml version="1.0" encoding="utf-8"?>
+<p:sld xmlns:a="http://schemas.openxmlformats.org/drawingml/2006/main" xmlns:r="http://schemas.openxmlformats.org/officeDocument/2006/relationships" xmlns:p="http://schemas.openxmlformats.org/presentationml/2006/main">
+  <p:cSld>
+    <p:spTree>
+      <p:nvGrpSpPr>
+        <p:cNvPr id="1" name=""/>
+        <p:cNvGrpSpPr/>
+        <p:nvPr/>
+      </p:nvGrpSpPr>
+      <p:grpSpPr>
+        <a:xfrm>
+          <a:off x="0" y="0"/>
+          <a:ext cx="0" cy="0"/>
+          <a:chOff x="0" y="0"/>
+          <a:chExt cx="0" cy="0"/>
+        </a:xfrm>
+      </p:grpSpPr>
+      <p:sp>
+        <p:nvSpPr>
+          <p:cNvPr id="2" name="Title 1">
+            <a:extLst>
+              <a:ext uri="{FF2B5EF4-FFF2-40B4-BE49-F238E27FC236}">
+                <a16:creationId xmlns:a16="http://schemas.microsoft.com/office/drawing/2014/main" id="{73DE26E1-4F78-BDF9-D47B-8F3420CBE867}"/>
+              </a:ext>
+            </a:extLst>
+          </p:cNvPr>
+          <p:cNvSpPr>
+            <a:spLocks noGrp="1"/>
+          </p:cNvSpPr>
+          <p:nvPr>
+            <p:ph type="title"/>
+          </p:nvPr>
+        </p:nvSpPr>
+        <p:spPr/>
+        <p:txBody>
+          <a:bodyPr/>
+          <a:lstStyle/>
+          <a:p>
+            <a:endParaRPr lang="en-US"/>
+          </a:p>
+        </p:txBody>
+      </p:sp>
+      <p:pic>
+        <p:nvPicPr>
+          <p:cNvPr id="5" name="Content Placeholder 4" descr="A blurry orange sunburst&#10;&#10;AI-generated content may be incorrect.">
+            <a:extLst>
+              <a:ext uri="{FF2B5EF4-FFF2-40B4-BE49-F238E27FC236}">
+                <a16:creationId xmlns:a16="http://schemas.microsoft.com/office/drawing/2014/main" id="{98F85952-A681-9C77-8A0F-44B7FDAA81DF}"/>
+              </a:ext>
+            </a:extLst>
+          </p:cNvPr>
+          <p:cNvPicPr>
+            <a:picLocks noGrp="1" noChangeAspect="1"/>
+          </p:cNvPicPr>
+          <p:nvPr>
+            <p:ph idx="1"/>
+          </p:nvPr>
+        </p:nvPicPr>
+        <p:blipFill>
+          <a:blip r:embed="rId2"/>
+          <a:stretch>
+            <a:fillRect/>
+          </a:stretch>
+        </p:blipFill>
+        <p:spPr>
+          <a:xfrm>
+            <a:off x="4556555" y="2758066"/>
+            <a:ext cx="2202592" cy="2307477"/>
+          </a:xfrm>
+        </p:spPr>
+      </p:pic>
+      <p:sp>
+        <p:nvSpPr>
+          <p:cNvPr id="6" name="Rectangle 5">
+            <a:extLst>
+              <a:ext uri="{FF2B5EF4-FFF2-40B4-BE49-F238E27FC236}">
+                <a16:creationId xmlns:a16="http://schemas.microsoft.com/office/drawing/2014/main" id="{5B878949-BFFC-0548-2762-8F806132FF10}"/>
+              </a:ext>
+            </a:extLst>
+          </p:cNvPr>
+          <p:cNvSpPr/>
+          <p:nvPr/>
+        </p:nvSpPr>
+        <p:spPr>
+          <a:xfrm>
+            <a:off x="8340811" y="2631989"/>
+            <a:ext cx="1586960" cy="1618735"/>
+          </a:xfrm>
+          <a:prstGeom prst="rect">
+            <a:avLst/>
+          </a:prstGeom>
+          <a:solidFill>
+            <a:srgbClr val="DA7857"/>
+          </a:solidFill>
+        </p:spPr>
+        <p:style>
+          <a:lnRef idx="2">
+            <a:schemeClr val="accent1">
+              <a:shade val="15000"/>
+            </a:schemeClr>
+          </a:lnRef>
+          <a:fillRef idx="1">
+            <a:schemeClr val="accent1"/>
+          </a:fillRef>
+          <a:effectRef idx="0">
+            <a:schemeClr val="accent1"/>
+          </a:effectRef>
+          <a:fontRef idx="minor">
+            <a:schemeClr val="lt1"/>
+          </a:fontRef>
+        </p:style>
+        <p:txBody>
+          <a:bodyPr rtlCol="0" anchor="ctr"/>
+          <a:lstStyle/>
+          <a:p>
+            <a:pPr algn="ctr"/>
+            <a:endParaRPr lang="en-US"/>
+          </a:p>
+        </p:txBody>
+      </p:sp>
+    </p:spTree>
+    <p:extLst>
+      <p:ext uri="{BB962C8B-B14F-4D97-AF65-F5344CB8AC3E}">
+        <p14:creationId xmlns:p14="http://schemas.microsoft.com/office/powerpoint/2010/main" val="2924298785"/>
       </p:ext>
     </p:extLst>
   </p:cSld>

--- a/slides/Claude-Skills-for-Intelligent-Textbooks.pptx
+++ b/slides/Claude-Skills-for-Intelligent-Textbooks.pptx
@@ -19,7 +19,8 @@
     <p:sldId id="267" r:id="rId13"/>
     <p:sldId id="268" r:id="rId14"/>
     <p:sldId id="269" r:id="rId15"/>
-    <p:sldId id="270" r:id="rId16"/>
+    <p:sldId id="271" r:id="rId16"/>
+    <p:sldId id="270" r:id="rId17"/>
   </p:sldIdLst>
   <p:sldSz cx="12192000" cy="6858000"/>
   <p:notesSz cx="6858000" cy="9144000"/>
@@ -3657,7 +3658,12 @@
             <p:ph type="title"/>
           </p:nvPr>
         </p:nvSpPr>
-        <p:spPr/>
+        <p:spPr>
+          <a:xfrm>
+            <a:off x="368643" y="204487"/>
+            <a:ext cx="10515600" cy="1325563"/>
+          </a:xfrm>
+        </p:spPr>
         <p:txBody>
           <a:bodyPr/>
           <a:lstStyle/>
@@ -3691,7 +3697,7 @@
         </p:blipFill>
         <p:spPr>
           <a:xfrm>
-            <a:off x="518984" y="1858444"/>
+            <a:off x="556054" y="1463027"/>
             <a:ext cx="10899664" cy="4752420"/>
           </a:xfrm>
           <a:prstGeom prst="rect">
@@ -3891,7 +3897,12 @@
             <p:ph type="title"/>
           </p:nvPr>
         </p:nvSpPr>
-        <p:spPr/>
+        <p:spPr>
+          <a:xfrm>
+            <a:off x="220362" y="130348"/>
+            <a:ext cx="10515600" cy="895264"/>
+          </a:xfrm>
+        </p:spPr>
         <p:txBody>
           <a:bodyPr/>
           <a:lstStyle/>
@@ -3921,46 +3932,48 @@
         </p:nvSpPr>
         <p:spPr>
           <a:xfrm>
-            <a:off x="838200" y="1825625"/>
-            <a:ext cx="3622589" cy="4351338"/>
-          </a:xfrm>
-        </p:spPr>
-        <p:txBody>
-          <a:bodyPr/>
-          <a:lstStyle/>
-          <a:p>
-            <a:r>
-              <a:rPr lang="en-US" dirty="0"/>
+            <a:off x="801130" y="1170717"/>
+            <a:ext cx="4289854" cy="4351338"/>
+          </a:xfrm>
+        </p:spPr>
+        <p:txBody>
+          <a:bodyPr>
+            <a:normAutofit/>
+          </a:bodyPr>
+          <a:lstStyle/>
+          <a:p>
+            <a:r>
+              <a:rPr lang="en-US" sz="3600" dirty="0"/>
               <a:t>Glossary</a:t>
             </a:r>
           </a:p>
           <a:p>
             <a:r>
-              <a:rPr lang="en-US" dirty="0"/>
+              <a:rPr lang="en-US" sz="3600" dirty="0"/>
               <a:t>FAQ</a:t>
             </a:r>
           </a:p>
           <a:p>
             <a:r>
-              <a:rPr lang="en-US" dirty="0"/>
+              <a:rPr lang="en-US" sz="3600" dirty="0"/>
               <a:t>Quizzes</a:t>
             </a:r>
           </a:p>
           <a:p>
             <a:r>
-              <a:rPr lang="en-US" dirty="0"/>
+              <a:rPr lang="en-US" sz="3600" dirty="0"/>
               <a:t>References</a:t>
             </a:r>
           </a:p>
           <a:p>
             <a:r>
-              <a:rPr lang="en-US" dirty="0"/>
+              <a:rPr lang="en-US" sz="3600" dirty="0"/>
               <a:t>Book Metrics</a:t>
             </a:r>
           </a:p>
           <a:p>
             <a:r>
-              <a:rPr lang="en-US" dirty="0"/>
+              <a:rPr lang="en-US" sz="3600" dirty="0"/>
               <a:t>Announcements</a:t>
             </a:r>
           </a:p>
@@ -3980,6 +3993,134 @@
 </file>
 
 <file path=ppt/slides/slide15.xml><?xml version="1.0" encoding="utf-8"?>
+<p:sld xmlns:a="http://schemas.openxmlformats.org/drawingml/2006/main" xmlns:r="http://schemas.openxmlformats.org/officeDocument/2006/relationships" xmlns:p="http://schemas.openxmlformats.org/presentationml/2006/main">
+  <p:cSld>
+    <p:spTree>
+      <p:nvGrpSpPr>
+        <p:cNvPr id="1" name=""/>
+        <p:cNvGrpSpPr/>
+        <p:nvPr/>
+      </p:nvGrpSpPr>
+      <p:grpSpPr>
+        <a:xfrm>
+          <a:off x="0" y="0"/>
+          <a:ext cx="0" cy="0"/>
+          <a:chOff x="0" y="0"/>
+          <a:chExt cx="0" cy="0"/>
+        </a:xfrm>
+      </p:grpSpPr>
+      <p:sp>
+        <p:nvSpPr>
+          <p:cNvPr id="2" name="Title 1">
+            <a:extLst>
+              <a:ext uri="{FF2B5EF4-FFF2-40B4-BE49-F238E27FC236}">
+                <a16:creationId xmlns:a16="http://schemas.microsoft.com/office/drawing/2014/main" id="{0BD090EF-444D-F2D1-963C-CCAAB0AEB05F}"/>
+              </a:ext>
+            </a:extLst>
+          </p:cNvPr>
+          <p:cNvSpPr>
+            <a:spLocks noGrp="1"/>
+          </p:cNvSpPr>
+          <p:nvPr>
+            <p:ph type="title"/>
+          </p:nvPr>
+        </p:nvSpPr>
+        <p:spPr/>
+        <p:txBody>
+          <a:bodyPr/>
+          <a:lstStyle/>
+          <a:p>
+            <a:r>
+              <a:rPr lang="en-US" dirty="0"/>
+              <a:t>MircoSim Skills</a:t>
+            </a:r>
+          </a:p>
+        </p:txBody>
+      </p:sp>
+      <p:sp>
+        <p:nvSpPr>
+          <p:cNvPr id="3" name="Content Placeholder 2">
+            <a:extLst>
+              <a:ext uri="{FF2B5EF4-FFF2-40B4-BE49-F238E27FC236}">
+                <a16:creationId xmlns:a16="http://schemas.microsoft.com/office/drawing/2014/main" id="{2435668C-0899-7FFE-FDD3-09CCCFD458EC}"/>
+              </a:ext>
+            </a:extLst>
+          </p:cNvPr>
+          <p:cNvSpPr>
+            <a:spLocks noGrp="1"/>
+          </p:cNvSpPr>
+          <p:nvPr>
+            <p:ph idx="1"/>
+          </p:nvPr>
+        </p:nvSpPr>
+        <p:spPr/>
+        <p:txBody>
+          <a:bodyPr/>
+          <a:lstStyle/>
+          <a:p>
+            <a:r>
+              <a:rPr lang="en-US" dirty="0"/>
+              <a:t>Microsim-p5</a:t>
+            </a:r>
+          </a:p>
+          <a:p>
+            <a:r>
+              <a:rPr lang="en-US" dirty="0"/>
+              <a:t>Chartjs-generator</a:t>
+            </a:r>
+          </a:p>
+          <a:p>
+            <a:r>
+              <a:rPr lang="en-US" dirty="0"/>
+              <a:t>Vis-network</a:t>
+            </a:r>
+          </a:p>
+          <a:p>
+            <a:r>
+              <a:rPr lang="en-US" dirty="0"/>
+              <a:t>Mermaid-generator</a:t>
+            </a:r>
+          </a:p>
+          <a:p>
+            <a:r>
+              <a:rPr lang="en-US" dirty="0"/>
+              <a:t>Timeline-generator</a:t>
+            </a:r>
+          </a:p>
+          <a:p>
+            <a:r>
+              <a:rPr lang="en-US" dirty="0"/>
+              <a:t>Map-Generator</a:t>
+            </a:r>
+          </a:p>
+          <a:p>
+            <a:r>
+              <a:rPr lang="en-US" dirty="0"/>
+              <a:t>Causal Loop Generator</a:t>
+            </a:r>
+          </a:p>
+          <a:p>
+            <a:r>
+              <a:rPr lang="en-US" dirty="0"/>
+              <a:t>Equation Plot with Plotly</a:t>
+            </a:r>
+          </a:p>
+        </p:txBody>
+      </p:sp>
+    </p:spTree>
+    <p:extLst>
+      <p:ext uri="{BB962C8B-B14F-4D97-AF65-F5344CB8AC3E}">
+        <p14:creationId xmlns:p14="http://schemas.microsoft.com/office/powerpoint/2010/main" val="2218643331"/>
+      </p:ext>
+    </p:extLst>
+  </p:cSld>
+  <p:clrMapOvr>
+    <a:masterClrMapping/>
+  </p:clrMapOvr>
+</p:sld>
+</file>
+
+<file path=ppt/slides/slide16.xml><?xml version="1.0" encoding="utf-8"?>
 <p:sld xmlns:a="http://schemas.openxmlformats.org/drawingml/2006/main" xmlns:r="http://schemas.openxmlformats.org/officeDocument/2006/relationships" xmlns:p="http://schemas.openxmlformats.org/presentationml/2006/main">
   <p:cSld>
     <p:spTree>
@@ -4830,7 +4971,7 @@
         </p:blipFill>
         <p:spPr>
           <a:xfrm>
-            <a:off x="6281058" y="160638"/>
+            <a:off x="5366658" y="284205"/>
             <a:ext cx="3068320" cy="6400800"/>
           </a:xfrm>
           <a:prstGeom prst="rect">
@@ -4838,6 +4979,131 @@
           </a:prstGeom>
         </p:spPr>
       </p:pic>
+      <p:sp>
+        <p:nvSpPr>
+          <p:cNvPr id="8" name="TextBox 7">
+            <a:extLst>
+              <a:ext uri="{FF2B5EF4-FFF2-40B4-BE49-F238E27FC236}">
+                <a16:creationId xmlns:a16="http://schemas.microsoft.com/office/drawing/2014/main" id="{CB50A5BB-11D3-EF6B-F4B0-7E5B4AFB48E4}"/>
+              </a:ext>
+            </a:extLst>
+          </p:cNvPr>
+          <p:cNvSpPr txBox="1"/>
+          <p:nvPr/>
+        </p:nvSpPr>
+        <p:spPr>
+          <a:xfrm>
+            <a:off x="9588843" y="2953266"/>
+            <a:ext cx="1711687" cy="646331"/>
+          </a:xfrm>
+          <a:prstGeom prst="rect">
+            <a:avLst/>
+          </a:prstGeom>
+          <a:noFill/>
+        </p:spPr>
+        <p:txBody>
+          <a:bodyPr wrap="none" rtlCol="0">
+            <a:spAutoFit/>
+          </a:bodyPr>
+          <a:lstStyle/>
+          <a:p>
+            <a:r>
+              <a:rPr lang="en-US" dirty="0"/>
+              <a:t>Supplementary</a:t>
+            </a:r>
+          </a:p>
+          <a:p>
+            <a:r>
+              <a:rPr lang="en-US" dirty="0"/>
+              <a:t>Content</a:t>
+            </a:r>
+          </a:p>
+        </p:txBody>
+      </p:sp>
+      <p:sp>
+        <p:nvSpPr>
+          <p:cNvPr id="9" name="Right Brace 8">
+            <a:extLst>
+              <a:ext uri="{FF2B5EF4-FFF2-40B4-BE49-F238E27FC236}">
+                <a16:creationId xmlns:a16="http://schemas.microsoft.com/office/drawing/2014/main" id="{95DC314C-CC18-9659-DE4D-E6C1B23A643E}"/>
+              </a:ext>
+            </a:extLst>
+          </p:cNvPr>
+          <p:cNvSpPr/>
+          <p:nvPr/>
+        </p:nvSpPr>
+        <p:spPr>
+          <a:xfrm>
+            <a:off x="8674443" y="1309816"/>
+            <a:ext cx="877330" cy="4015946"/>
+          </a:xfrm>
+          <a:prstGeom prst="rightBrace">
+            <a:avLst/>
+          </a:prstGeom>
+          <a:ln w="38100">
+            <a:solidFill>
+              <a:schemeClr val="tx1"/>
+            </a:solidFill>
+          </a:ln>
+        </p:spPr>
+        <p:style>
+          <a:lnRef idx="2">
+            <a:schemeClr val="accent1"/>
+          </a:lnRef>
+          <a:fillRef idx="0">
+            <a:schemeClr val="accent1"/>
+          </a:fillRef>
+          <a:effectRef idx="1">
+            <a:schemeClr val="accent1"/>
+          </a:effectRef>
+          <a:fontRef idx="minor">
+            <a:schemeClr val="tx1"/>
+          </a:fontRef>
+        </p:style>
+        <p:txBody>
+          <a:bodyPr rtlCol="0" anchor="ctr"/>
+          <a:lstStyle/>
+          <a:p>
+            <a:pPr algn="ctr"/>
+            <a:endParaRPr lang="en-US"/>
+          </a:p>
+        </p:txBody>
+      </p:sp>
+      <p:sp>
+        <p:nvSpPr>
+          <p:cNvPr id="10" name="TextBox 9">
+            <a:extLst>
+              <a:ext uri="{FF2B5EF4-FFF2-40B4-BE49-F238E27FC236}">
+                <a16:creationId xmlns:a16="http://schemas.microsoft.com/office/drawing/2014/main" id="{D130A75B-DA9E-8177-624E-E197840B29A8}"/>
+              </a:ext>
+            </a:extLst>
+          </p:cNvPr>
+          <p:cNvSpPr txBox="1"/>
+          <p:nvPr/>
+        </p:nvSpPr>
+        <p:spPr>
+          <a:xfrm rot="5400000">
+            <a:off x="5377697" y="2765114"/>
+            <a:ext cx="1826013" cy="523220"/>
+          </a:xfrm>
+          <a:prstGeom prst="rect">
+            <a:avLst/>
+          </a:prstGeom>
+          <a:noFill/>
+        </p:spPr>
+        <p:txBody>
+          <a:bodyPr wrap="none" rtlCol="0">
+            <a:spAutoFit/>
+          </a:bodyPr>
+          <a:lstStyle/>
+          <a:p>
+            <a:r>
+              <a:rPr lang="en-US" sz="2800" dirty="0"/>
+              <a:t>MicroSims</a:t>
+            </a:r>
+          </a:p>
+        </p:txBody>
+      </p:sp>
     </p:spTree>
     <p:extLst>
       <p:ext uri="{BB962C8B-B14F-4D97-AF65-F5344CB8AC3E}">
